--- a/2 am/معالج النصوص 1/3 الرموز و العبارات الرياضية/cours 10/عرض الدرس.pptx
+++ b/2 am/معالج النصوص 1/3 الرموز و العبارات الرياضية/cours 10/عرض الدرس.pptx
@@ -201,7 +201,7 @@
           <a:p>
             <a:fld id="{04809ED0-CAD5-44E1-91E8-3616676F7223}" type="datetimeFigureOut">
               <a:rPr lang="fr-FR" smtClean="0"/>
-              <a:t>22/02/2025</a:t>
+              <a:t>05/04/2025</a:t>
             </a:fld>
             <a:endParaRPr lang="fr-FR"/>
           </a:p>
@@ -768,7 +768,7 @@
           <a:p>
             <a:fld id="{16B4F739-B7D4-4EFD-BF14-44542778AB9F}" type="datetimeFigureOut">
               <a:rPr lang="fr-FR" smtClean="0"/>
-              <a:t>22/02/2025</a:t>
+              <a:t>05/04/2025</a:t>
             </a:fld>
             <a:endParaRPr lang="fr-FR"/>
           </a:p>
@@ -938,7 +938,7 @@
           <a:p>
             <a:fld id="{16B4F739-B7D4-4EFD-BF14-44542778AB9F}" type="datetimeFigureOut">
               <a:rPr lang="fr-FR" smtClean="0"/>
-              <a:t>22/02/2025</a:t>
+              <a:t>05/04/2025</a:t>
             </a:fld>
             <a:endParaRPr lang="fr-FR"/>
           </a:p>
@@ -1118,7 +1118,7 @@
           <a:p>
             <a:fld id="{16B4F739-B7D4-4EFD-BF14-44542778AB9F}" type="datetimeFigureOut">
               <a:rPr lang="fr-FR" smtClean="0"/>
-              <a:t>22/02/2025</a:t>
+              <a:t>05/04/2025</a:t>
             </a:fld>
             <a:endParaRPr lang="fr-FR"/>
           </a:p>
@@ -1288,7 +1288,7 @@
           <a:p>
             <a:fld id="{16B4F739-B7D4-4EFD-BF14-44542778AB9F}" type="datetimeFigureOut">
               <a:rPr lang="fr-FR" smtClean="0"/>
-              <a:t>22/02/2025</a:t>
+              <a:t>05/04/2025</a:t>
             </a:fld>
             <a:endParaRPr lang="fr-FR"/>
           </a:p>
@@ -1534,7 +1534,7 @@
           <a:p>
             <a:fld id="{16B4F739-B7D4-4EFD-BF14-44542778AB9F}" type="datetimeFigureOut">
               <a:rPr lang="fr-FR" smtClean="0"/>
-              <a:t>22/02/2025</a:t>
+              <a:t>05/04/2025</a:t>
             </a:fld>
             <a:endParaRPr lang="fr-FR"/>
           </a:p>
@@ -1766,7 +1766,7 @@
           <a:p>
             <a:fld id="{16B4F739-B7D4-4EFD-BF14-44542778AB9F}" type="datetimeFigureOut">
               <a:rPr lang="fr-FR" smtClean="0"/>
-              <a:t>22/02/2025</a:t>
+              <a:t>05/04/2025</a:t>
             </a:fld>
             <a:endParaRPr lang="fr-FR"/>
           </a:p>
@@ -2133,7 +2133,7 @@
           <a:p>
             <a:fld id="{16B4F739-B7D4-4EFD-BF14-44542778AB9F}" type="datetimeFigureOut">
               <a:rPr lang="fr-FR" smtClean="0"/>
-              <a:t>22/02/2025</a:t>
+              <a:t>05/04/2025</a:t>
             </a:fld>
             <a:endParaRPr lang="fr-FR"/>
           </a:p>
@@ -2251,7 +2251,7 @@
           <a:p>
             <a:fld id="{16B4F739-B7D4-4EFD-BF14-44542778AB9F}" type="datetimeFigureOut">
               <a:rPr lang="fr-FR" smtClean="0"/>
-              <a:t>22/02/2025</a:t>
+              <a:t>05/04/2025</a:t>
             </a:fld>
             <a:endParaRPr lang="fr-FR"/>
           </a:p>
@@ -2346,7 +2346,7 @@
           <a:p>
             <a:fld id="{16B4F739-B7D4-4EFD-BF14-44542778AB9F}" type="datetimeFigureOut">
               <a:rPr lang="fr-FR" smtClean="0"/>
-              <a:t>22/02/2025</a:t>
+              <a:t>05/04/2025</a:t>
             </a:fld>
             <a:endParaRPr lang="fr-FR"/>
           </a:p>
@@ -2623,7 +2623,7 @@
           <a:p>
             <a:fld id="{16B4F739-B7D4-4EFD-BF14-44542778AB9F}" type="datetimeFigureOut">
               <a:rPr lang="fr-FR" smtClean="0"/>
-              <a:t>22/02/2025</a:t>
+              <a:t>05/04/2025</a:t>
             </a:fld>
             <a:endParaRPr lang="fr-FR"/>
           </a:p>
@@ -2876,7 +2876,7 @@
           <a:p>
             <a:fld id="{16B4F739-B7D4-4EFD-BF14-44542778AB9F}" type="datetimeFigureOut">
               <a:rPr lang="fr-FR" smtClean="0"/>
-              <a:t>22/02/2025</a:t>
+              <a:t>05/04/2025</a:t>
             </a:fld>
             <a:endParaRPr lang="fr-FR"/>
           </a:p>
@@ -3119,7 +3119,7 @@
           <a:p>
             <a:fld id="{16B4F739-B7D4-4EFD-BF14-44542778AB9F}" type="datetimeFigureOut">
               <a:rPr lang="fr-FR" smtClean="0"/>
-              <a:t>22/02/2025</a:t>
+              <a:t>05/04/2025</a:t>
             </a:fld>
             <a:endParaRPr lang="fr-FR"/>
           </a:p>
@@ -3918,8 +3918,8 @@
           </a:p>
         </p:txBody>
       </p:sp>
-      <mc:AlternateContent xmlns:mc="http://schemas.openxmlformats.org/markup-compatibility/2006">
-        <mc:Choice xmlns:a14="http://schemas.microsoft.com/office/drawing/2010/main" Requires="a14">
+      <mc:AlternateContent xmlns:mc="http://schemas.openxmlformats.org/markup-compatibility/2006" xmlns:a14="http://schemas.microsoft.com/office/drawing/2010/main">
+        <mc:Choice Requires="a14">
           <p:sp>
             <p:nvSpPr>
               <p:cNvPr id="3" name="Rectangle 2"/>
@@ -4005,51 +4005,69 @@
                     <m:f>
                       <m:fPr>
                         <m:ctrlPr>
-                          <a:rPr lang="fr-FR" sz="3200" b="1" i="1"/>
+                          <a:rPr lang="fr-FR" sz="3200" b="1" i="1">
+                            <a:latin typeface="Cambria Math" panose="02040503050406030204" pitchFamily="18" charset="0"/>
+                          </a:rPr>
                         </m:ctrlPr>
                       </m:fPr>
                       <m:num>
                         <m:r>
-                          <a:rPr lang="fr-FR" sz="3200" b="1" i="1"/>
+                          <a:rPr lang="fr-FR" sz="3200" b="1" i="1">
+                            <a:latin typeface="Cambria Math" panose="02040503050406030204" pitchFamily="18" charset="0"/>
+                          </a:rPr>
                           <m:t>𝟑</m:t>
                         </m:r>
                       </m:num>
                       <m:den>
                         <m:r>
-                          <a:rPr lang="fr-FR" sz="3200" b="1" i="1"/>
+                          <a:rPr lang="fr-FR" sz="3200" b="1" i="1">
+                            <a:latin typeface="Cambria Math" panose="02040503050406030204" pitchFamily="18" charset="0"/>
+                          </a:rPr>
                           <m:t>𝟐</m:t>
                         </m:r>
                       </m:den>
                     </m:f>
                     <m:r>
-                      <a:rPr lang="fr-FR" sz="3200" b="1"/>
+                      <a:rPr lang="fr-FR" sz="3200" b="1">
+                        <a:latin typeface="Cambria Math" panose="02040503050406030204" pitchFamily="18" charset="0"/>
+                      </a:rPr>
                       <m:t>+</m:t>
                     </m:r>
                     <m:f>
                       <m:fPr>
                         <m:ctrlPr>
-                          <a:rPr lang="fr-FR" sz="3200" b="1" i="1"/>
+                          <a:rPr lang="fr-FR" sz="3200" b="1" i="1">
+                            <a:latin typeface="Cambria Math" panose="02040503050406030204" pitchFamily="18" charset="0"/>
+                          </a:rPr>
                         </m:ctrlPr>
                       </m:fPr>
                       <m:num>
                         <m:r>
-                          <a:rPr lang="fr-FR" sz="3200" b="1" i="1"/>
+                          <a:rPr lang="fr-FR" sz="3200" b="1" i="1">
+                            <a:latin typeface="Cambria Math" panose="02040503050406030204" pitchFamily="18" charset="0"/>
+                          </a:rPr>
                           <m:t>𝟓</m:t>
                         </m:r>
                       </m:num>
                       <m:den>
                         <m:r>
-                          <a:rPr lang="fr-FR" sz="3200" b="1" i="1"/>
+                          <a:rPr lang="fr-FR" sz="3200" b="1" i="1">
+                            <a:latin typeface="Cambria Math" panose="02040503050406030204" pitchFamily="18" charset="0"/>
+                          </a:rPr>
                           <m:t>𝟐</m:t>
                         </m:r>
                       </m:den>
                     </m:f>
                     <m:r>
-                      <a:rPr lang="fr-FR" sz="3200" b="1" i="1"/>
+                      <a:rPr lang="fr-FR" sz="3200" b="1" i="1">
+                        <a:latin typeface="Cambria Math" panose="02040503050406030204" pitchFamily="18" charset="0"/>
+                      </a:rPr>
                       <m:t>=</m:t>
                     </m:r>
                     <m:r>
-                      <a:rPr lang="fr-FR" sz="3200" b="1" i="1"/>
+                      <a:rPr lang="fr-FR" sz="3200" b="1" i="1">
+                        <a:latin typeface="Cambria Math" panose="02040503050406030204" pitchFamily="18" charset="0"/>
+                      </a:rPr>
                       <m:t>𝟒</m:t>
                     </m:r>
                   </m:oMath>
@@ -4061,40 +4079,56 @@
                 <a14:m>
                   <m:oMath xmlns:m="http://schemas.openxmlformats.org/officeDocument/2006/math">
                     <m:r>
-                      <a:rPr lang="fr-FR" sz="3200" b="1" i="1"/>
+                      <a:rPr lang="fr-FR" sz="3200" b="1" i="1">
+                        <a:latin typeface="Cambria Math" panose="02040503050406030204" pitchFamily="18" charset="0"/>
+                      </a:rPr>
                       <m:t>𝟓</m:t>
                     </m:r>
                     <m:r>
-                      <a:rPr lang="fr-FR" sz="3200" b="1" i="1"/>
+                      <a:rPr lang="fr-FR" sz="3200" b="1" i="1">
+                        <a:latin typeface="Cambria Math" panose="02040503050406030204" pitchFamily="18" charset="0"/>
+                      </a:rPr>
                       <m:t>+</m:t>
                     </m:r>
                     <m:d>
                       <m:dPr>
                         <m:ctrlPr>
-                          <a:rPr lang="fr-FR" sz="3200" b="1" i="1"/>
+                          <a:rPr lang="fr-FR" sz="3200" b="1" i="1">
+                            <a:latin typeface="Cambria Math" panose="02040503050406030204" pitchFamily="18" charset="0"/>
+                          </a:rPr>
                         </m:ctrlPr>
                       </m:dPr>
                       <m:e>
                         <m:r>
-                          <a:rPr lang="fr-FR" sz="3200" b="1" i="1"/>
+                          <a:rPr lang="fr-FR" sz="3200" b="1" i="1">
+                            <a:latin typeface="Cambria Math" panose="02040503050406030204" pitchFamily="18" charset="0"/>
+                          </a:rPr>
                           <m:t>𝟑</m:t>
                         </m:r>
                         <m:r>
-                          <a:rPr lang="fr-FR" sz="3200" b="1" i="1"/>
+                          <a:rPr lang="fr-FR" sz="3200" b="1" i="1">
+                            <a:latin typeface="Cambria Math" panose="02040503050406030204" pitchFamily="18" charset="0"/>
+                          </a:rPr>
                           <m:t>−</m:t>
                         </m:r>
                         <m:r>
-                          <a:rPr lang="fr-FR" sz="3200" b="1" i="1"/>
+                          <a:rPr lang="fr-FR" sz="3200" b="1" i="1">
+                            <a:latin typeface="Cambria Math" panose="02040503050406030204" pitchFamily="18" charset="0"/>
+                          </a:rPr>
                           <m:t>𝟒</m:t>
                         </m:r>
                       </m:e>
                     </m:d>
                     <m:r>
-                      <a:rPr lang="fr-FR" sz="3200" b="1" i="1"/>
+                      <a:rPr lang="fr-FR" sz="3200" b="1" i="1">
+                        <a:latin typeface="Cambria Math" panose="02040503050406030204" pitchFamily="18" charset="0"/>
+                      </a:rPr>
                       <m:t>=</m:t>
                     </m:r>
                     <m:r>
-                      <a:rPr lang="fr-FR" sz="3200" b="1" i="1"/>
+                      <a:rPr lang="fr-FR" sz="3200" b="1" i="1">
+                        <a:latin typeface="Cambria Math" panose="02040503050406030204" pitchFamily="18" charset="0"/>
+                      </a:rPr>
                       <m:t>𝟒</m:t>
                     </m:r>
                   </m:oMath>
@@ -4108,49 +4142,67 @@
                     <m:f>
                       <m:fPr>
                         <m:ctrlPr>
-                          <a:rPr lang="fr-FR" sz="3200" b="1" i="1"/>
+                          <a:rPr lang="fr-FR" sz="3200" b="1" i="1">
+                            <a:latin typeface="Cambria Math" panose="02040503050406030204" pitchFamily="18" charset="0"/>
+                          </a:rPr>
                         </m:ctrlPr>
                       </m:fPr>
                       <m:num>
                         <m:r>
-                          <a:rPr lang="fr-FR" sz="3200" b="1" i="1"/>
+                          <a:rPr lang="fr-FR" sz="3200" b="1" i="1">
+                            <a:latin typeface="Cambria Math" panose="02040503050406030204" pitchFamily="18" charset="0"/>
+                          </a:rPr>
                           <m:t>𝟑</m:t>
                         </m:r>
                       </m:num>
                       <m:den>
                         <m:r>
-                          <a:rPr lang="fr-FR" sz="3200" b="1" i="1"/>
+                          <a:rPr lang="fr-FR" sz="3200" b="1" i="1">
+                            <a:latin typeface="Cambria Math" panose="02040503050406030204" pitchFamily="18" charset="0"/>
+                          </a:rPr>
                           <m:t>𝟓</m:t>
                         </m:r>
                       </m:den>
                     </m:f>
                     <m:r>
-                      <a:rPr lang="fr-FR" sz="3200" b="1" i="1"/>
+                      <a:rPr lang="fr-FR" sz="3200" b="1" i="1">
+                        <a:latin typeface="Cambria Math" panose="02040503050406030204" pitchFamily="18" charset="0"/>
+                      </a:rPr>
                       <m:t>+</m:t>
                     </m:r>
                     <m:r>
-                      <a:rPr lang="fr-FR" sz="3200" b="1" i="1"/>
+                      <a:rPr lang="fr-FR" sz="3200" b="1" i="1">
+                        <a:latin typeface="Cambria Math" panose="02040503050406030204" pitchFamily="18" charset="0"/>
+                      </a:rPr>
                       <m:t>𝟏</m:t>
                     </m:r>
                     <m:r>
-                      <a:rPr lang="fr-FR" sz="3200" b="1" i="1"/>
+                      <a:rPr lang="fr-FR" sz="3200" b="1" i="1">
+                        <a:latin typeface="Cambria Math" panose="02040503050406030204" pitchFamily="18" charset="0"/>
+                      </a:rPr>
                       <m:t>=</m:t>
                     </m:r>
                     <m:f>
                       <m:fPr>
                         <m:ctrlPr>
-                          <a:rPr lang="fr-FR" sz="3200" b="1" i="1"/>
+                          <a:rPr lang="fr-FR" sz="3200" b="1" i="1">
+                            <a:latin typeface="Cambria Math" panose="02040503050406030204" pitchFamily="18" charset="0"/>
+                          </a:rPr>
                         </m:ctrlPr>
                       </m:fPr>
                       <m:num>
                         <m:r>
-                          <a:rPr lang="fr-FR" sz="3200" b="1" i="1"/>
+                          <a:rPr lang="fr-FR" sz="3200" b="1" i="1">
+                            <a:latin typeface="Cambria Math" panose="02040503050406030204" pitchFamily="18" charset="0"/>
+                          </a:rPr>
                           <m:t>𝟖</m:t>
                         </m:r>
                       </m:num>
                       <m:den>
                         <m:r>
-                          <a:rPr lang="fr-FR" sz="3200" b="1" i="1"/>
+                          <a:rPr lang="fr-FR" sz="3200" b="1" i="1">
+                            <a:latin typeface="Cambria Math" panose="02040503050406030204" pitchFamily="18" charset="0"/>
+                          </a:rPr>
                           <m:t>𝟓</m:t>
                         </m:r>
                       </m:den>
@@ -4166,7 +4218,7 @@
             </p:txBody>
           </p:sp>
         </mc:Choice>
-        <mc:Fallback>
+        <mc:Fallback xmlns="">
           <p:sp>
             <p:nvSpPr>
               <p:cNvPr id="3" name="Rectangle 2"/>
@@ -4262,7 +4314,7 @@
         <p:spPr>
           <a:xfrm>
             <a:off x="0" y="188214"/>
-            <a:ext cx="11970469" cy="800219"/>
+            <a:ext cx="11970469" cy="755400"/>
           </a:xfrm>
           <a:prstGeom prst="rect">
             <a:avLst/>
@@ -4291,7 +4343,18 @@
                 <a:ea typeface="Times New Roman" panose="02020603050405020304" pitchFamily="18" charset="0"/>
                 <a:cs typeface="Times New Roman" panose="02020603050405020304" pitchFamily="18" charset="0"/>
               </a:rPr>
-              <a:t>نشاط :</a:t>
+              <a:t>نشاط 1 </a:t>
+            </a:r>
+            <a:r>
+              <a:rPr lang="ar-DZ" sz="4000" b="1" u="sng" dirty="0" smtClean="0">
+                <a:solidFill>
+                  <a:srgbClr val="FF0000"/>
+                </a:solidFill>
+                <a:latin typeface="Calibri" panose="020F0502020204030204" pitchFamily="34" charset="0"/>
+                <a:ea typeface="Times New Roman" panose="02020603050405020304" pitchFamily="18" charset="0"/>
+                <a:cs typeface="Times New Roman" panose="02020603050405020304" pitchFamily="18" charset="0"/>
+              </a:rPr>
+              <a:t>:</a:t>
             </a:r>
             <a:endParaRPr lang="fr-FR" sz="3200" b="1" dirty="0">
               <a:effectLst/>
@@ -4312,8 +4375,8 @@
             </p:nvSpPr>
             <p:spPr>
               <a:xfrm>
-                <a:off x="117391" y="1470664"/>
-                <a:ext cx="11966713" cy="3744423"/>
+                <a:off x="113635" y="1218873"/>
+                <a:ext cx="11966713" cy="4729308"/>
               </a:xfrm>
               <a:prstGeom prst="rect">
                 <a:avLst/>
@@ -4355,6 +4418,17 @@
                   <a:buFont typeface="Wingdings" panose="05000000000000000000" pitchFamily="2" charset="2"/>
                   <a:buChar char="Ø"/>
                 </a:pPr>
+                <a:endParaRPr lang="ar-DZ" sz="3200" dirty="0" smtClean="0"/>
+              </a:p>
+              <a:p>
+                <a:pPr marL="457200" indent="-457200" algn="r" rtl="1">
+                  <a:buFont typeface="Wingdings" panose="05000000000000000000" pitchFamily="2" charset="2"/>
+                  <a:buChar char="Ø"/>
+                </a:pPr>
+                <a:endParaRPr lang="ar-DZ" sz="3200" dirty="0"/>
+              </a:p>
+              <a:p>
+                <a:pPr algn="r" rtl="1"/>
                 <a:endParaRPr lang="fr-FR" sz="3200" dirty="0"/>
               </a:p>
               <a:p>
@@ -4371,18 +4445,24 @@
                     <m:f>
                       <m:fPr>
                         <m:ctrlPr>
-                          <a:rPr lang="fr-FR" sz="3200" i="1"/>
+                          <a:rPr lang="fr-FR" sz="3200" i="1">
+                            <a:latin typeface="Cambria Math" panose="02040503050406030204" pitchFamily="18" charset="0"/>
+                          </a:rPr>
                         </m:ctrlPr>
                       </m:fPr>
                       <m:num>
                         <m:r>
-                          <a:rPr lang="fr-FR" sz="3200"/>
+                          <a:rPr lang="fr-FR" sz="3200">
+                            <a:latin typeface="Cambria Math" panose="02040503050406030204" pitchFamily="18" charset="0"/>
+                          </a:rPr>
                           <m:t>4</m:t>
                         </m:r>
                       </m:num>
                       <m:den>
                         <m:r>
-                          <a:rPr lang="fr-FR" sz="3200"/>
+                          <a:rPr lang="fr-FR" sz="3200">
+                            <a:latin typeface="Cambria Math" panose="02040503050406030204" pitchFamily="18" charset="0"/>
+                          </a:rPr>
                           <m:t>10</m:t>
                         </m:r>
                       </m:den>
@@ -4430,7 +4510,6 @@
                   <a:rPr lang="ar-DZ" sz="3200" dirty="0"/>
                   <a:t>لنبحث فيه عن كيفية إضافة كسر</a:t>
                 </a:r>
-                <a:endParaRPr lang="ar-DZ" sz="3200" dirty="0"/>
               </a:p>
             </p:txBody>
           </p:sp>
@@ -4446,8 +4525,8 @@
             </p:nvSpPr>
             <p:spPr>
               <a:xfrm>
-                <a:off x="117391" y="1470664"/>
-                <a:ext cx="11966713" cy="3744423"/>
+                <a:off x="113635" y="1218873"/>
+                <a:ext cx="11966713" cy="4729308"/>
               </a:xfrm>
               <a:prstGeom prst="rect">
                 <a:avLst/>
@@ -4455,7 +4534,7 @@
               <a:blipFill rotWithShape="0">
                 <a:blip r:embed="rId3"/>
                 <a:stretch>
-                  <a:fillRect t="-2443" r="-1223" b="-4397"/>
+                  <a:fillRect t="-1933" r="-1172" b="-3222"/>
                 </a:stretch>
               </a:blipFill>
             </p:spPr>
@@ -4474,6 +4553,66 @@
           </p:sp>
         </mc:Fallback>
       </mc:AlternateContent>
+      <p:sp>
+        <p:nvSpPr>
+          <p:cNvPr id="5" name="Rectangle 4"/>
+          <p:cNvSpPr/>
+          <p:nvPr/>
+        </p:nvSpPr>
+        <p:spPr>
+          <a:xfrm>
+            <a:off x="113635" y="2828127"/>
+            <a:ext cx="11970469" cy="755400"/>
+          </a:xfrm>
+          <a:prstGeom prst="rect">
+            <a:avLst/>
+          </a:prstGeom>
+        </p:spPr>
+        <p:txBody>
+          <a:bodyPr wrap="square">
+            <a:spAutoFit/>
+          </a:bodyPr>
+          <a:lstStyle/>
+          <a:p>
+            <a:pPr algn="r" rtl="1">
+              <a:lnSpc>
+                <a:spcPct val="115000"/>
+              </a:lnSpc>
+              <a:spcAft>
+                <a:spcPts val="1000"/>
+              </a:spcAft>
+            </a:pPr>
+            <a:r>
+              <a:rPr lang="ar-DZ" sz="4000" b="1" u="sng" dirty="0" smtClean="0">
+                <a:solidFill>
+                  <a:srgbClr val="FF0000"/>
+                </a:solidFill>
+                <a:latin typeface="Calibri" panose="020F0502020204030204" pitchFamily="34" charset="0"/>
+                <a:ea typeface="Times New Roman" panose="02020603050405020304" pitchFamily="18" charset="0"/>
+                <a:cs typeface="Times New Roman" panose="02020603050405020304" pitchFamily="18" charset="0"/>
+              </a:rPr>
+              <a:t>نشاط 2 </a:t>
+            </a:r>
+            <a:r>
+              <a:rPr lang="ar-DZ" sz="4000" b="1" u="sng" dirty="0" smtClean="0">
+                <a:solidFill>
+                  <a:srgbClr val="FF0000"/>
+                </a:solidFill>
+                <a:latin typeface="Calibri" panose="020F0502020204030204" pitchFamily="34" charset="0"/>
+                <a:ea typeface="Times New Roman" panose="02020603050405020304" pitchFamily="18" charset="0"/>
+                <a:cs typeface="Times New Roman" panose="02020603050405020304" pitchFamily="18" charset="0"/>
+              </a:rPr>
+              <a:t>:</a:t>
+            </a:r>
+            <a:endParaRPr lang="fr-FR" sz="3200" b="1" dirty="0">
+              <a:effectLst/>
+              <a:latin typeface="Calibri" panose="020F0502020204030204" pitchFamily="34" charset="0"/>
+              <a:ea typeface="Times New Roman" panose="02020603050405020304" pitchFamily="18" charset="0"/>
+              <a:cs typeface="Arial" panose="020B0604020202020204" pitchFamily="34" charset="0"/>
+            </a:endParaRPr>
+          </a:p>
+        </p:txBody>
+      </p:sp>
     </p:spTree>
     <p:extLst>
       <p:ext uri="{BB962C8B-B14F-4D97-AF65-F5344CB8AC3E}">
@@ -5087,8 +5226,8 @@
               </a:p>
               <a:p>
                 <a:pPr marL="571500" indent="-571500" algn="r" rtl="1">
-                  <a:buFont typeface="Wingdings" panose="05000000000000000000" pitchFamily="2" charset="2"/>
-                  <a:buChar char="ü"/>
+                  <a:buFont typeface="Arial" panose="020B0604020202020204" pitchFamily="34" charset="0"/>
+                  <a:buChar char="•"/>
                 </a:pPr>
                 <a:r>
                   <a:rPr lang="fr-FR" sz="3600" dirty="0"/>
@@ -5097,8 +5236,8 @@
               </a:p>
               <a:p>
                 <a:pPr marL="571500" lvl="0" indent="-571500" algn="r" rtl="1">
-                  <a:buFont typeface="Wingdings" panose="05000000000000000000" pitchFamily="2" charset="2"/>
-                  <a:buChar char="ü"/>
+                  <a:buFont typeface="Arial" panose="020B0604020202020204" pitchFamily="34" charset="0"/>
+                  <a:buChar char="•"/>
                 </a:pPr>
                 <a:r>
                   <a:rPr lang="fr-FR" sz="3600" dirty="0"/>
@@ -5107,29 +5246,39 @@
               </a:p>
               <a:p>
                 <a:pPr marL="571500" lvl="0" indent="-571500" algn="r" rtl="1">
-                  <a:buFont typeface="Wingdings" panose="05000000000000000000" pitchFamily="2" charset="2"/>
-                  <a:buChar char="ü"/>
+                  <a:buFont typeface="Arial" panose="020B0604020202020204" pitchFamily="34" charset="0"/>
+                  <a:buChar char="•"/>
                 </a:pPr>
                 <a14:m>
                   <m:oMath xmlns:m="http://schemas.openxmlformats.org/officeDocument/2006/math">
                     <m:r>
-                      <a:rPr lang="fr-FR" sz="3600" i="1"/>
+                      <a:rPr lang="fr-FR" sz="3600" i="1">
+                        <a:latin typeface="Cambria Math" panose="02040503050406030204" pitchFamily="18" charset="0"/>
+                      </a:rPr>
                       <m:t>20</m:t>
                     </m:r>
                     <m:r>
-                      <a:rPr lang="fr-FR" sz="3600" i="1"/>
+                      <a:rPr lang="fr-FR" sz="3600" i="1">
+                        <a:latin typeface="Cambria Math" panose="02040503050406030204" pitchFamily="18" charset="0"/>
+                      </a:rPr>
                       <m:t>&lt;</m:t>
                     </m:r>
                     <m:r>
-                      <a:rPr lang="fr-FR" sz="3600" i="1"/>
+                      <a:rPr lang="fr-FR" sz="3600" i="1">
+                        <a:latin typeface="Cambria Math" panose="02040503050406030204" pitchFamily="18" charset="0"/>
+                      </a:rPr>
                       <m:t>30</m:t>
                     </m:r>
                     <m:r>
-                      <a:rPr lang="fr-FR" sz="3600" i="1"/>
+                      <a:rPr lang="fr-FR" sz="3600" i="1">
+                        <a:latin typeface="Cambria Math" panose="02040503050406030204" pitchFamily="18" charset="0"/>
+                      </a:rPr>
                       <m:t>&lt;</m:t>
                     </m:r>
                     <m:r>
-                      <a:rPr lang="fr-FR" sz="3600" i="1"/>
+                      <a:rPr lang="fr-FR" sz="3600" i="1">
+                        <a:latin typeface="Cambria Math" panose="02040503050406030204" pitchFamily="18" charset="0"/>
+                      </a:rPr>
                       <m:t>40</m:t>
                     </m:r>
                   </m:oMath>
@@ -5138,8 +5287,8 @@
               </a:p>
               <a:p>
                 <a:pPr marL="571500" indent="-571500" algn="r" rtl="1">
-                  <a:buFont typeface="Wingdings" panose="05000000000000000000" pitchFamily="2" charset="2"/>
-                  <a:buChar char="ü"/>
+                  <a:buFont typeface="Arial" panose="020B0604020202020204" pitchFamily="34" charset="0"/>
+                  <a:buChar char="•"/>
                 </a:pPr>
                 <a:r>
                   <a:rPr lang="fr-FR" sz="3600" dirty="0"/>
@@ -5150,28 +5299,38 @@
                     <m:f>
                       <m:fPr>
                         <m:ctrlPr>
-                          <a:rPr lang="fr-FR" sz="3600" i="1"/>
+                          <a:rPr lang="fr-FR" sz="3600" i="1">
+                            <a:latin typeface="Cambria Math" panose="02040503050406030204" pitchFamily="18" charset="0"/>
+                          </a:rPr>
                         </m:ctrlPr>
                       </m:fPr>
                       <m:num>
                         <m:r>
-                          <a:rPr lang="fr-FR" sz="3600" i="1"/>
+                          <a:rPr lang="fr-FR" sz="3600" i="1">
+                            <a:latin typeface="Cambria Math" panose="02040503050406030204" pitchFamily="18" charset="0"/>
+                          </a:rPr>
                           <m:t>100</m:t>
                         </m:r>
                       </m:num>
                       <m:den>
                         <m:r>
-                          <a:rPr lang="fr-FR" sz="3600" i="1"/>
+                          <a:rPr lang="fr-FR" sz="3600" i="1">
+                            <a:latin typeface="Cambria Math" panose="02040503050406030204" pitchFamily="18" charset="0"/>
+                          </a:rPr>
                           <m:t>2</m:t>
                         </m:r>
                       </m:den>
                     </m:f>
                     <m:r>
-                      <a:rPr lang="fr-FR" sz="3600" i="1"/>
+                      <a:rPr lang="fr-FR" sz="3600" i="1">
+                        <a:latin typeface="Cambria Math" panose="02040503050406030204" pitchFamily="18" charset="0"/>
+                      </a:rPr>
                       <m:t>=</m:t>
                     </m:r>
                     <m:r>
-                      <a:rPr lang="fr-FR" sz="3600" i="1"/>
+                      <a:rPr lang="fr-FR" sz="3600" i="1">
+                        <a:latin typeface="Cambria Math" panose="02040503050406030204" pitchFamily="18" charset="0"/>
+                      </a:rPr>
                       <m:t>50</m:t>
                     </m:r>
                   </m:oMath>
@@ -5201,7 +5360,7 @@
               <a:blipFill rotWithShape="0">
                 <a:blip r:embed="rId2"/>
                 <a:stretch>
-                  <a:fillRect t="-3010" r="-1614" b="-1171"/>
+                  <a:fillRect t="-3010" r="-1614" b="-1338"/>
                 </a:stretch>
               </a:blipFill>
             </p:spPr>
